--- a/OPE1/AC2/diagramaDeIshikawa.pptx
+++ b/OPE1/AC2/diagramaDeIshikawa.pptx
@@ -2990,8 +2990,8 @@
         </p:nvCxnSpPr>
         <p:spPr>
           <a:xfrm>
-            <a:off x="3476625" y="1903418"/>
-            <a:ext cx="7374124" cy="0"/>
+            <a:off x="2840476" y="1903418"/>
+            <a:ext cx="6881864" cy="0"/>
           </a:xfrm>
           <a:prstGeom prst="line">
             <a:avLst/>
@@ -3031,7 +3031,7 @@
         </p:nvSpPr>
         <p:spPr>
           <a:xfrm>
-            <a:off x="10850749" y="1133195"/>
+            <a:off x="9722340" y="1133195"/>
             <a:ext cx="2657164" cy="1540446"/>
           </a:xfrm>
           <a:prstGeom prst="round2DiagRect">
@@ -3119,7 +3119,7 @@
         </p:nvCxnSpPr>
         <p:spPr>
           <a:xfrm>
-            <a:off x="7423370" y="298354"/>
+            <a:off x="6294961" y="298354"/>
             <a:ext cx="1605064" cy="1605064"/>
           </a:xfrm>
           <a:prstGeom prst="line">
@@ -3160,48 +3160,7 @@
         </p:nvCxnSpPr>
         <p:spPr>
           <a:xfrm>
-            <a:off x="4657473" y="298354"/>
-            <a:ext cx="1605064" cy="1605064"/>
-          </a:xfrm>
-          <a:prstGeom prst="line">
-            <a:avLst/>
-          </a:prstGeom>
-          <a:ln w="38100">
-            <a:solidFill>
-              <a:schemeClr val="tx1"/>
-            </a:solidFill>
-          </a:ln>
-        </p:spPr>
-        <p:style>
-          <a:lnRef idx="1">
-            <a:schemeClr val="accent1"/>
-          </a:lnRef>
-          <a:fillRef idx="0">
-            <a:schemeClr val="accent1"/>
-          </a:fillRef>
-          <a:effectRef idx="0">
-            <a:schemeClr val="accent1"/>
-          </a:effectRef>
-          <a:fontRef idx="minor">
-            <a:schemeClr val="tx1"/>
-          </a:fontRef>
-        </p:style>
-      </p:cxnSp>
-      <p:cxnSp>
-        <p:nvCxnSpPr>
-          <p:cNvPr id="37" name="Conector reto 36">
-            <a:extLst>
-              <a:ext uri="{FF2B5EF4-FFF2-40B4-BE49-F238E27FC236}">
-                <a16:creationId xmlns:a16="http://schemas.microsoft.com/office/drawing/2014/main" id="{DE6B332D-90DE-4A97-A061-CD241B3F714F}"/>
-              </a:ext>
-            </a:extLst>
-          </p:cNvPr>
-          <p:cNvCxnSpPr/>
-          <p:nvPr/>
-        </p:nvCxnSpPr>
-        <p:spPr>
-          <a:xfrm>
-            <a:off x="1891576" y="298354"/>
+            <a:off x="3529064" y="298354"/>
             <a:ext cx="1605064" cy="1605064"/>
           </a:xfrm>
           <a:prstGeom prst="line">
@@ -3242,7 +3201,7 @@
         </p:nvCxnSpPr>
         <p:spPr>
           <a:xfrm flipV="1">
-            <a:off x="8665268" y="1903418"/>
+            <a:off x="7536859" y="1903418"/>
             <a:ext cx="1605064" cy="1605064"/>
           </a:xfrm>
           <a:prstGeom prst="line">
@@ -3283,7 +3242,7 @@
         </p:nvCxnSpPr>
         <p:spPr>
           <a:xfrm flipV="1">
-            <a:off x="5899371" y="1903418"/>
+            <a:off x="4770962" y="1903418"/>
             <a:ext cx="1605064" cy="1605064"/>
           </a:xfrm>
           <a:prstGeom prst="line">
@@ -3310,47 +3269,6 @@
           </a:fontRef>
         </p:style>
       </p:cxnSp>
-      <p:cxnSp>
-        <p:nvCxnSpPr>
-          <p:cNvPr id="45" name="Conector reto 44">
-            <a:extLst>
-              <a:ext uri="{FF2B5EF4-FFF2-40B4-BE49-F238E27FC236}">
-                <a16:creationId xmlns:a16="http://schemas.microsoft.com/office/drawing/2014/main" id="{C7B89B3D-009E-4A3B-8A6F-080291D9BDDA}"/>
-              </a:ext>
-            </a:extLst>
-          </p:cNvPr>
-          <p:cNvCxnSpPr/>
-          <p:nvPr/>
-        </p:nvCxnSpPr>
-        <p:spPr>
-          <a:xfrm flipV="1">
-            <a:off x="3133474" y="1903418"/>
-            <a:ext cx="1605064" cy="1605064"/>
-          </a:xfrm>
-          <a:prstGeom prst="line">
-            <a:avLst/>
-          </a:prstGeom>
-          <a:ln w="38100">
-            <a:solidFill>
-              <a:schemeClr val="tx1"/>
-            </a:solidFill>
-          </a:ln>
-        </p:spPr>
-        <p:style>
-          <a:lnRef idx="1">
-            <a:schemeClr val="accent1"/>
-          </a:lnRef>
-          <a:fillRef idx="0">
-            <a:schemeClr val="accent1"/>
-          </a:fillRef>
-          <a:effectRef idx="0">
-            <a:schemeClr val="accent1"/>
-          </a:effectRef>
-          <a:fontRef idx="minor">
-            <a:schemeClr val="tx1"/>
-          </a:fontRef>
-        </p:style>
-      </p:cxnSp>
       <p:sp>
         <p:nvSpPr>
           <p:cNvPr id="47" name="CaixaDeTexto 46">
@@ -3365,7 +3283,7 @@
         </p:nvSpPr>
         <p:spPr>
           <a:xfrm>
-            <a:off x="7809072" y="248142"/>
+            <a:off x="6680663" y="248142"/>
             <a:ext cx="1712392" cy="307777"/>
           </a:xfrm>
           <a:prstGeom prst="rect">
@@ -3400,8 +3318,8 @@
         </p:nvSpPr>
         <p:spPr>
           <a:xfrm>
-            <a:off x="8594084" y="835146"/>
-            <a:ext cx="1620765" cy="307777"/>
+            <a:off x="7816275" y="1039494"/>
+            <a:ext cx="1620765" cy="523220"/>
           </a:xfrm>
           <a:prstGeom prst="rect">
             <a:avLst/>
@@ -3417,6 +3335,12 @@
             <a:r>
               <a:rPr lang="pt-BR" sz="1400" dirty="0"/>
               <a:t>Conversas paralelas</a:t>
+            </a:r>
+          </a:p>
+          <a:p>
+            <a:r>
+              <a:rPr lang="pt-BR" sz="1400" dirty="0"/>
+              <a:t>entre funcionários</a:t>
             </a:r>
           </a:p>
         </p:txBody>
@@ -3435,7 +3359,7 @@
         </p:nvSpPr>
         <p:spPr>
           <a:xfrm>
-            <a:off x="8214974" y="539660"/>
+            <a:off x="7333080" y="643818"/>
             <a:ext cx="1626920" cy="307777"/>
           </a:xfrm>
           <a:prstGeom prst="rect">
@@ -3470,8 +3394,8 @@
         </p:nvSpPr>
         <p:spPr>
           <a:xfrm>
-            <a:off x="8117275" y="2088083"/>
-            <a:ext cx="1628844" cy="307777"/>
+            <a:off x="6636745" y="2159012"/>
+            <a:ext cx="1702646" cy="523220"/>
           </a:xfrm>
           <a:prstGeom prst="rect">
             <a:avLst/>
@@ -3487,6 +3411,12 @@
             <a:r>
               <a:rPr lang="pt-BR" sz="1400" dirty="0"/>
               <a:t>Roupas com defeito</a:t>
+            </a:r>
+          </a:p>
+          <a:p>
+            <a:r>
+              <a:rPr lang="pt-BR" sz="1400" dirty="0"/>
+              <a:t>ou acabamento ruim</a:t>
             </a:r>
           </a:p>
         </p:txBody>
@@ -3505,7 +3435,7 @@
         </p:nvSpPr>
         <p:spPr>
           <a:xfrm>
-            <a:off x="4590238" y="2712721"/>
+            <a:off x="3325898" y="2807109"/>
             <a:ext cx="1628779" cy="523220"/>
           </a:xfrm>
           <a:prstGeom prst="rect">
@@ -3528,6 +3458,164 @@
             <a:r>
               <a:rPr lang="pt-BR" sz="1400" dirty="0"/>
               <a:t>qualidade</a:t>
+            </a:r>
+          </a:p>
+        </p:txBody>
+      </p:sp>
+      <p:sp>
+        <p:nvSpPr>
+          <p:cNvPr id="15" name="CaixaDeTexto 14">
+            <a:extLst>
+              <a:ext uri="{FF2B5EF4-FFF2-40B4-BE49-F238E27FC236}">
+                <a16:creationId xmlns:a16="http://schemas.microsoft.com/office/drawing/2014/main" id="{91C8FBB8-9B00-4D16-943D-440437E687AD}"/>
+              </a:ext>
+            </a:extLst>
+          </p:cNvPr>
+          <p:cNvSpPr txBox="1"/>
+          <p:nvPr/>
+        </p:nvSpPr>
+        <p:spPr>
+          <a:xfrm>
+            <a:off x="3717955" y="2160781"/>
+            <a:ext cx="1796902" cy="523220"/>
+          </a:xfrm>
+          <a:prstGeom prst="rect">
+            <a:avLst/>
+          </a:prstGeom>
+          <a:noFill/>
+        </p:spPr>
+        <p:txBody>
+          <a:bodyPr wrap="none" rtlCol="0">
+            <a:spAutoFit/>
+          </a:bodyPr>
+          <a:lstStyle/>
+          <a:p>
+            <a:r>
+              <a:rPr lang="pt-BR" sz="1400" dirty="0"/>
+              <a:t>Não solicitar produtos</a:t>
+            </a:r>
+          </a:p>
+          <a:p>
+            <a:r>
+              <a:rPr lang="pt-BR" sz="1400" dirty="0"/>
+              <a:t>do fornecedor</a:t>
+            </a:r>
+          </a:p>
+        </p:txBody>
+      </p:sp>
+      <p:sp>
+        <p:nvSpPr>
+          <p:cNvPr id="16" name="CaixaDeTexto 15">
+            <a:extLst>
+              <a:ext uri="{FF2B5EF4-FFF2-40B4-BE49-F238E27FC236}">
+                <a16:creationId xmlns:a16="http://schemas.microsoft.com/office/drawing/2014/main" id="{CE972427-3636-4918-B6B0-A7A1579C32CE}"/>
+              </a:ext>
+            </a:extLst>
+          </p:cNvPr>
+          <p:cNvSpPr txBox="1"/>
+          <p:nvPr/>
+        </p:nvSpPr>
+        <p:spPr>
+          <a:xfrm>
+            <a:off x="4145243" y="305867"/>
+            <a:ext cx="1548629" cy="523220"/>
+          </a:xfrm>
+          <a:prstGeom prst="rect">
+            <a:avLst/>
+          </a:prstGeom>
+          <a:noFill/>
+        </p:spPr>
+        <p:txBody>
+          <a:bodyPr wrap="none" rtlCol="0">
+            <a:spAutoFit/>
+          </a:bodyPr>
+          <a:lstStyle/>
+          <a:p>
+            <a:r>
+              <a:rPr lang="pt-BR" sz="1400" dirty="0"/>
+              <a:t>Inexistência de um</a:t>
+            </a:r>
+          </a:p>
+          <a:p>
+            <a:r>
+              <a:rPr lang="pt-BR" sz="1400" dirty="0"/>
+              <a:t>processo definido</a:t>
+            </a:r>
+          </a:p>
+        </p:txBody>
+      </p:sp>
+      <p:sp>
+        <p:nvSpPr>
+          <p:cNvPr id="19" name="CaixaDeTexto 18">
+            <a:extLst>
+              <a:ext uri="{FF2B5EF4-FFF2-40B4-BE49-F238E27FC236}">
+                <a16:creationId xmlns:a16="http://schemas.microsoft.com/office/drawing/2014/main" id="{34E561D0-D563-4D30-A258-1402051A2525}"/>
+              </a:ext>
+            </a:extLst>
+          </p:cNvPr>
+          <p:cNvSpPr txBox="1"/>
+          <p:nvPr/>
+        </p:nvSpPr>
+        <p:spPr>
+          <a:xfrm>
+            <a:off x="6007684" y="2840421"/>
+            <a:ext cx="1750223" cy="307777"/>
+          </a:xfrm>
+          <a:prstGeom prst="rect">
+            <a:avLst/>
+          </a:prstGeom>
+          <a:noFill/>
+        </p:spPr>
+        <p:txBody>
+          <a:bodyPr wrap="none" rtlCol="0">
+            <a:spAutoFit/>
+          </a:bodyPr>
+          <a:lstStyle/>
+          <a:p>
+            <a:r>
+              <a:rPr lang="pt-BR" sz="1400" dirty="0"/>
+              <a:t>Roupas indisponíveis</a:t>
+            </a:r>
+          </a:p>
+        </p:txBody>
+      </p:sp>
+      <p:sp>
+        <p:nvSpPr>
+          <p:cNvPr id="20" name="CaixaDeTexto 19">
+            <a:extLst>
+              <a:ext uri="{FF2B5EF4-FFF2-40B4-BE49-F238E27FC236}">
+                <a16:creationId xmlns:a16="http://schemas.microsoft.com/office/drawing/2014/main" id="{85C01F7D-37D7-43B2-AD0F-DF70747374CA}"/>
+              </a:ext>
+            </a:extLst>
+          </p:cNvPr>
+          <p:cNvSpPr txBox="1"/>
+          <p:nvPr/>
+        </p:nvSpPr>
+        <p:spPr>
+          <a:xfrm>
+            <a:off x="5004336" y="1003611"/>
+            <a:ext cx="1066318" cy="523220"/>
+          </a:xfrm>
+          <a:prstGeom prst="rect">
+            <a:avLst/>
+          </a:prstGeom>
+          <a:noFill/>
+        </p:spPr>
+        <p:txBody>
+          <a:bodyPr wrap="none" rtlCol="0">
+            <a:spAutoFit/>
+          </a:bodyPr>
+          <a:lstStyle/>
+          <a:p>
+            <a:r>
+              <a:rPr lang="pt-BR" sz="1400" dirty="0"/>
+              <a:t>Ausência de</a:t>
+            </a:r>
+          </a:p>
+          <a:p>
+            <a:r>
+              <a:rPr lang="pt-BR" sz="1400" dirty="0"/>
+              <a:t>organização</a:t>
             </a:r>
           </a:p>
         </p:txBody>
